--- a/unidad3/arboles/casos.pptx
+++ b/unidad3/arboles/casos.pptx
@@ -106,6 +106,11 @@
       </a:defRPr>
     </a:lvl9pPr>
   </p:defaultTextStyle>
+  <p:extLst>
+    <p:ext uri="{EFAFB233-063F-42B5-8137-9DF3F51BA10A}">
+      <p15:sldGuideLst xmlns:p15="http://schemas.microsoft.com/office/powerpoint/2012/main"/>
+    </p:ext>
+  </p:extLst>
 </p:presentation>
 </file>
 
@@ -240,7 +245,7 @@
           <a:p>
             <a:fld id="{167FC560-7872-42C8-BD43-CE691C1606F2}" type="datetimeFigureOut">
               <a:rPr lang="es-BO" smtClean="0"/>
-              <a:t>31/03/2020</a:t>
+              <a:t>01/04/2020</a:t>
             </a:fld>
             <a:endParaRPr lang="es-BO"/>
           </a:p>
@@ -410,7 +415,7 @@
           <a:p>
             <a:fld id="{167FC560-7872-42C8-BD43-CE691C1606F2}" type="datetimeFigureOut">
               <a:rPr lang="es-BO" smtClean="0"/>
-              <a:t>31/03/2020</a:t>
+              <a:t>01/04/2020</a:t>
             </a:fld>
             <a:endParaRPr lang="es-BO"/>
           </a:p>
@@ -590,7 +595,7 @@
           <a:p>
             <a:fld id="{167FC560-7872-42C8-BD43-CE691C1606F2}" type="datetimeFigureOut">
               <a:rPr lang="es-BO" smtClean="0"/>
-              <a:t>31/03/2020</a:t>
+              <a:t>01/04/2020</a:t>
             </a:fld>
             <a:endParaRPr lang="es-BO"/>
           </a:p>
@@ -760,7 +765,7 @@
           <a:p>
             <a:fld id="{167FC560-7872-42C8-BD43-CE691C1606F2}" type="datetimeFigureOut">
               <a:rPr lang="es-BO" smtClean="0"/>
-              <a:t>31/03/2020</a:t>
+              <a:t>01/04/2020</a:t>
             </a:fld>
             <a:endParaRPr lang="es-BO"/>
           </a:p>
@@ -1006,7 +1011,7 @@
           <a:p>
             <a:fld id="{167FC560-7872-42C8-BD43-CE691C1606F2}" type="datetimeFigureOut">
               <a:rPr lang="es-BO" smtClean="0"/>
-              <a:t>31/03/2020</a:t>
+              <a:t>01/04/2020</a:t>
             </a:fld>
             <a:endParaRPr lang="es-BO"/>
           </a:p>
@@ -1238,7 +1243,7 @@
           <a:p>
             <a:fld id="{167FC560-7872-42C8-BD43-CE691C1606F2}" type="datetimeFigureOut">
               <a:rPr lang="es-BO" smtClean="0"/>
-              <a:t>31/03/2020</a:t>
+              <a:t>01/04/2020</a:t>
             </a:fld>
             <a:endParaRPr lang="es-BO"/>
           </a:p>
@@ -1605,7 +1610,7 @@
           <a:p>
             <a:fld id="{167FC560-7872-42C8-BD43-CE691C1606F2}" type="datetimeFigureOut">
               <a:rPr lang="es-BO" smtClean="0"/>
-              <a:t>31/03/2020</a:t>
+              <a:t>01/04/2020</a:t>
             </a:fld>
             <a:endParaRPr lang="es-BO"/>
           </a:p>
@@ -1723,7 +1728,7 @@
           <a:p>
             <a:fld id="{167FC560-7872-42C8-BD43-CE691C1606F2}" type="datetimeFigureOut">
               <a:rPr lang="es-BO" smtClean="0"/>
-              <a:t>31/03/2020</a:t>
+              <a:t>01/04/2020</a:t>
             </a:fld>
             <a:endParaRPr lang="es-BO"/>
           </a:p>
@@ -1818,7 +1823,7 @@
           <a:p>
             <a:fld id="{167FC560-7872-42C8-BD43-CE691C1606F2}" type="datetimeFigureOut">
               <a:rPr lang="es-BO" smtClean="0"/>
-              <a:t>31/03/2020</a:t>
+              <a:t>01/04/2020</a:t>
             </a:fld>
             <a:endParaRPr lang="es-BO"/>
           </a:p>
@@ -2095,7 +2100,7 @@
           <a:p>
             <a:fld id="{167FC560-7872-42C8-BD43-CE691C1606F2}" type="datetimeFigureOut">
               <a:rPr lang="es-BO" smtClean="0"/>
-              <a:t>31/03/2020</a:t>
+              <a:t>01/04/2020</a:t>
             </a:fld>
             <a:endParaRPr lang="es-BO"/>
           </a:p>
@@ -2348,7 +2353,7 @@
           <a:p>
             <a:fld id="{167FC560-7872-42C8-BD43-CE691C1606F2}" type="datetimeFigureOut">
               <a:rPr lang="es-BO" smtClean="0"/>
-              <a:t>31/03/2020</a:t>
+              <a:t>01/04/2020</a:t>
             </a:fld>
             <a:endParaRPr lang="es-BO"/>
           </a:p>
@@ -2561,7 +2566,7 @@
           <a:p>
             <a:fld id="{167FC560-7872-42C8-BD43-CE691C1606F2}" type="datetimeFigureOut">
               <a:rPr lang="es-BO" smtClean="0"/>
-              <a:t>31/03/2020</a:t>
+              <a:t>01/04/2020</a:t>
             </a:fld>
             <a:endParaRPr lang="es-BO"/>
           </a:p>
@@ -3996,7 +4001,6 @@
               <a:rPr lang="es-BO" dirty="0"/>
               <a:t>D</a:t>
             </a:r>
-            <a:endParaRPr lang="es-BO" dirty="0"/>
           </a:p>
         </p:txBody>
       </p:sp>
@@ -4172,7 +4176,6 @@
               <a:rPr lang="es-BO" dirty="0"/>
               <a:t>G</a:t>
             </a:r>
-            <a:endParaRPr lang="es-BO" dirty="0"/>
           </a:p>
         </p:txBody>
       </p:sp>
@@ -5226,7 +5229,7 @@
         </p:nvSpPr>
         <p:spPr>
           <a:xfrm>
-            <a:off x="4131214" y="3850783"/>
+            <a:off x="3915669" y="3744722"/>
             <a:ext cx="734095" cy="901521"/>
           </a:xfrm>
           <a:prstGeom prst="ellipse">
@@ -5346,7 +5349,6 @@
               <a:rPr lang="es-BO" dirty="0"/>
               <a:t>G</a:t>
             </a:r>
-            <a:endParaRPr lang="es-BO" dirty="0"/>
           </a:p>
         </p:txBody>
       </p:sp>
@@ -5462,14 +5464,14 @@
           <p:cNvPr id="18" name="Conector recto 17"/>
           <p:cNvCxnSpPr>
             <a:stCxn id="5" idx="5"/>
-            <a:endCxn id="7" idx="1"/>
+            <a:endCxn id="38" idx="0"/>
           </p:cNvCxnSpPr>
           <p:nvPr/>
         </p:nvCxnSpPr>
         <p:spPr>
           <a:xfrm>
-            <a:off x="3730397" y="3306634"/>
-            <a:ext cx="601379" cy="676174"/>
+            <a:off x="3766797" y="3306634"/>
+            <a:ext cx="1692474" cy="1856668"/>
           </a:xfrm>
           <a:prstGeom prst="line">
             <a:avLst/>
@@ -5858,8 +5860,9 @@
           <a:p>
             <a:r>
               <a:rPr lang="es-BO" dirty="0" smtClean="0"/>
-              <a:t>F,D,B,A,C,E,H,G,I</a:t>
-            </a:r>
+              <a:t>F,B,A,D,C,E,H,G,I</a:t>
+            </a:r>
+            <a:endParaRPr lang="es-BO" dirty="0" smtClean="0"/>
           </a:p>
         </p:txBody>
       </p:sp>
@@ -5969,8 +5972,9 @@
           <a:p>
             <a:r>
               <a:rPr lang="es-BO" dirty="0" smtClean="0"/>
-              <a:t>A,C,B,E,D,G,I,H,F</a:t>
-            </a:r>
+              <a:t>A,C,E,D,B,G,I,H,F</a:t>
+            </a:r>
+            <a:endParaRPr lang="es-BO" dirty="0" smtClean="0"/>
           </a:p>
         </p:txBody>
       </p:sp>
@@ -6065,13 +6069,15 @@
       <p:cxnSp>
         <p:nvCxnSpPr>
           <p:cNvPr id="13" name="Conector recto 12"/>
-          <p:cNvCxnSpPr/>
+          <p:cNvCxnSpPr>
+            <a:stCxn id="7" idx="5"/>
+          </p:cNvCxnSpPr>
           <p:nvPr/>
         </p:nvCxnSpPr>
         <p:spPr>
-          <a:xfrm>
-            <a:off x="4844160" y="4544007"/>
-            <a:ext cx="820426" cy="618926"/>
+          <a:xfrm flipH="1">
+            <a:off x="3292892" y="4514218"/>
+            <a:ext cx="1249366" cy="868948"/>
           </a:xfrm>
           <a:prstGeom prst="line">
             <a:avLst/>
@@ -6130,7 +6136,7 @@
         </p:nvSpPr>
         <p:spPr>
           <a:xfrm>
-            <a:off x="3552249" y="4707636"/>
+            <a:off x="6275230" y="5317848"/>
             <a:ext cx="173865" cy="257577"/>
           </a:xfrm>
           <a:prstGeom prst="downArrow">
@@ -6170,7 +6176,7 @@
         </p:nvSpPr>
         <p:spPr>
           <a:xfrm>
-            <a:off x="2997437" y="4241025"/>
+            <a:off x="5613820" y="4778061"/>
             <a:ext cx="535724" cy="369332"/>
           </a:xfrm>
           <a:prstGeom prst="rect">
@@ -6207,39 +6213,6 @@
           </a:p>
         </p:txBody>
       </p:sp>
-      <p:cxnSp>
-        <p:nvCxnSpPr>
-          <p:cNvPr id="43" name="Conector recto 42"/>
-          <p:cNvCxnSpPr>
-            <a:stCxn id="44" idx="7"/>
-            <a:endCxn id="7" idx="3"/>
-          </p:cNvCxnSpPr>
-          <p:nvPr/>
-        </p:nvCxnSpPr>
-        <p:spPr>
-          <a:xfrm flipV="1">
-            <a:off x="3843691" y="4620279"/>
-            <a:ext cx="395029" cy="569344"/>
-          </a:xfrm>
-          <a:prstGeom prst="line">
-            <a:avLst/>
-          </a:prstGeom>
-        </p:spPr>
-        <p:style>
-          <a:lnRef idx="1">
-            <a:schemeClr val="accent1"/>
-          </a:lnRef>
-          <a:fillRef idx="0">
-            <a:schemeClr val="accent1"/>
-          </a:fillRef>
-          <a:effectRef idx="0">
-            <a:schemeClr val="accent1"/>
-          </a:effectRef>
-          <a:fontRef idx="minor">
-            <a:schemeClr val="tx1"/>
-          </a:fontRef>
-        </p:style>
-      </p:cxnSp>
       <p:sp>
         <p:nvSpPr>
           <p:cNvPr id="44" name="Elipse 43"/>
@@ -6248,7 +6221,7 @@
         </p:nvSpPr>
         <p:spPr>
           <a:xfrm>
-            <a:off x="3217102" y="5057598"/>
+            <a:off x="2772058" y="5383166"/>
             <a:ext cx="734095" cy="901521"/>
           </a:xfrm>
           <a:prstGeom prst="ellipse">
